--- a/Assets/LOGO.pptx
+++ b/Assets/LOGO.pptx
@@ -243,7 +243,7 @@
           <a:p>
             <a:fld id="{DEA95C57-5E3C-4EFD-B076-1ED93876FB7F}" type="datetimeFigureOut">
               <a:rPr lang="zh-CN" altLang="en-US" smtClean="0"/>
-              <a:t>2017/11/17</a:t>
+              <a:t>2017/11/18</a:t>
             </a:fld>
             <a:endParaRPr lang="zh-CN" altLang="en-US"/>
           </a:p>
@@ -413,7 +413,7 @@
           <a:p>
             <a:fld id="{DEA95C57-5E3C-4EFD-B076-1ED93876FB7F}" type="datetimeFigureOut">
               <a:rPr lang="zh-CN" altLang="en-US" smtClean="0"/>
-              <a:t>2017/11/17</a:t>
+              <a:t>2017/11/18</a:t>
             </a:fld>
             <a:endParaRPr lang="zh-CN" altLang="en-US"/>
           </a:p>
@@ -593,7 +593,7 @@
           <a:p>
             <a:fld id="{DEA95C57-5E3C-4EFD-B076-1ED93876FB7F}" type="datetimeFigureOut">
               <a:rPr lang="zh-CN" altLang="en-US" smtClean="0"/>
-              <a:t>2017/11/17</a:t>
+              <a:t>2017/11/18</a:t>
             </a:fld>
             <a:endParaRPr lang="zh-CN" altLang="en-US"/>
           </a:p>
@@ -763,7 +763,7 @@
           <a:p>
             <a:fld id="{DEA95C57-5E3C-4EFD-B076-1ED93876FB7F}" type="datetimeFigureOut">
               <a:rPr lang="zh-CN" altLang="en-US" smtClean="0"/>
-              <a:t>2017/11/17</a:t>
+              <a:t>2017/11/18</a:t>
             </a:fld>
             <a:endParaRPr lang="zh-CN" altLang="en-US"/>
           </a:p>
@@ -1009,7 +1009,7 @@
           <a:p>
             <a:fld id="{DEA95C57-5E3C-4EFD-B076-1ED93876FB7F}" type="datetimeFigureOut">
               <a:rPr lang="zh-CN" altLang="en-US" smtClean="0"/>
-              <a:t>2017/11/17</a:t>
+              <a:t>2017/11/18</a:t>
             </a:fld>
             <a:endParaRPr lang="zh-CN" altLang="en-US"/>
           </a:p>
@@ -1241,7 +1241,7 @@
           <a:p>
             <a:fld id="{DEA95C57-5E3C-4EFD-B076-1ED93876FB7F}" type="datetimeFigureOut">
               <a:rPr lang="zh-CN" altLang="en-US" smtClean="0"/>
-              <a:t>2017/11/17</a:t>
+              <a:t>2017/11/18</a:t>
             </a:fld>
             <a:endParaRPr lang="zh-CN" altLang="en-US"/>
           </a:p>
@@ -1608,7 +1608,7 @@
           <a:p>
             <a:fld id="{DEA95C57-5E3C-4EFD-B076-1ED93876FB7F}" type="datetimeFigureOut">
               <a:rPr lang="zh-CN" altLang="en-US" smtClean="0"/>
-              <a:t>2017/11/17</a:t>
+              <a:t>2017/11/18</a:t>
             </a:fld>
             <a:endParaRPr lang="zh-CN" altLang="en-US"/>
           </a:p>
@@ -1726,7 +1726,7 @@
           <a:p>
             <a:fld id="{DEA95C57-5E3C-4EFD-B076-1ED93876FB7F}" type="datetimeFigureOut">
               <a:rPr lang="zh-CN" altLang="en-US" smtClean="0"/>
-              <a:t>2017/11/17</a:t>
+              <a:t>2017/11/18</a:t>
             </a:fld>
             <a:endParaRPr lang="zh-CN" altLang="en-US"/>
           </a:p>
@@ -1821,7 +1821,7 @@
           <a:p>
             <a:fld id="{DEA95C57-5E3C-4EFD-B076-1ED93876FB7F}" type="datetimeFigureOut">
               <a:rPr lang="zh-CN" altLang="en-US" smtClean="0"/>
-              <a:t>2017/11/17</a:t>
+              <a:t>2017/11/18</a:t>
             </a:fld>
             <a:endParaRPr lang="zh-CN" altLang="en-US"/>
           </a:p>
@@ -2098,7 +2098,7 @@
           <a:p>
             <a:fld id="{DEA95C57-5E3C-4EFD-B076-1ED93876FB7F}" type="datetimeFigureOut">
               <a:rPr lang="zh-CN" altLang="en-US" smtClean="0"/>
-              <a:t>2017/11/17</a:t>
+              <a:t>2017/11/18</a:t>
             </a:fld>
             <a:endParaRPr lang="zh-CN" altLang="en-US"/>
           </a:p>
@@ -2351,7 +2351,7 @@
           <a:p>
             <a:fld id="{DEA95C57-5E3C-4EFD-B076-1ED93876FB7F}" type="datetimeFigureOut">
               <a:rPr lang="zh-CN" altLang="en-US" smtClean="0"/>
-              <a:t>2017/11/17</a:t>
+              <a:t>2017/11/18</a:t>
             </a:fld>
             <a:endParaRPr lang="zh-CN" altLang="en-US"/>
           </a:p>
@@ -2564,7 +2564,7 @@
           <a:p>
             <a:fld id="{DEA95C57-5E3C-4EFD-B076-1ED93876FB7F}" type="datetimeFigureOut">
               <a:rPr lang="zh-CN" altLang="en-US" smtClean="0"/>
-              <a:t>2017/11/17</a:t>
+              <a:t>2017/11/18</a:t>
             </a:fld>
             <a:endParaRPr lang="zh-CN" altLang="en-US"/>
           </a:p>
@@ -3003,13 +3003,7 @@
             <a:ln>
               <a:noFill/>
             </a:ln>
-            <a:effectLst>
-              <a:outerShdw blurRad="127000" dist="50800" dir="2700000" algn="tl" rotWithShape="0">
-                <a:prstClr val="black">
-                  <a:alpha val="40000"/>
-                </a:prstClr>
-              </a:outerShdw>
-            </a:effectLst>
+            <a:effectLst/>
           </p:spPr>
           <p:style>
             <a:lnRef idx="2">

--- a/Assets/LOGO.pptx
+++ b/Assets/LOGO.pptx
@@ -6,6 +6,7 @@
   </p:sldMasterIdLst>
   <p:sldIdLst>
     <p:sldId id="257" r:id="rId2"/>
+    <p:sldId id="258" r:id="rId3"/>
   </p:sldIdLst>
   <p:sldSz cx="12192000" cy="6858000"/>
   <p:notesSz cx="6858000" cy="9144000"/>
@@ -243,7 +244,7 @@
           <a:p>
             <a:fld id="{DEA95C57-5E3C-4EFD-B076-1ED93876FB7F}" type="datetimeFigureOut">
               <a:rPr lang="zh-CN" altLang="en-US" smtClean="0"/>
-              <a:t>2017/11/18</a:t>
+              <a:t>2017/11/19</a:t>
             </a:fld>
             <a:endParaRPr lang="zh-CN" altLang="en-US"/>
           </a:p>
@@ -413,7 +414,7 @@
           <a:p>
             <a:fld id="{DEA95C57-5E3C-4EFD-B076-1ED93876FB7F}" type="datetimeFigureOut">
               <a:rPr lang="zh-CN" altLang="en-US" smtClean="0"/>
-              <a:t>2017/11/18</a:t>
+              <a:t>2017/11/19</a:t>
             </a:fld>
             <a:endParaRPr lang="zh-CN" altLang="en-US"/>
           </a:p>
@@ -593,7 +594,7 @@
           <a:p>
             <a:fld id="{DEA95C57-5E3C-4EFD-B076-1ED93876FB7F}" type="datetimeFigureOut">
               <a:rPr lang="zh-CN" altLang="en-US" smtClean="0"/>
-              <a:t>2017/11/18</a:t>
+              <a:t>2017/11/19</a:t>
             </a:fld>
             <a:endParaRPr lang="zh-CN" altLang="en-US"/>
           </a:p>
@@ -763,7 +764,7 @@
           <a:p>
             <a:fld id="{DEA95C57-5E3C-4EFD-B076-1ED93876FB7F}" type="datetimeFigureOut">
               <a:rPr lang="zh-CN" altLang="en-US" smtClean="0"/>
-              <a:t>2017/11/18</a:t>
+              <a:t>2017/11/19</a:t>
             </a:fld>
             <a:endParaRPr lang="zh-CN" altLang="en-US"/>
           </a:p>
@@ -1009,7 +1010,7 @@
           <a:p>
             <a:fld id="{DEA95C57-5E3C-4EFD-B076-1ED93876FB7F}" type="datetimeFigureOut">
               <a:rPr lang="zh-CN" altLang="en-US" smtClean="0"/>
-              <a:t>2017/11/18</a:t>
+              <a:t>2017/11/19</a:t>
             </a:fld>
             <a:endParaRPr lang="zh-CN" altLang="en-US"/>
           </a:p>
@@ -1241,7 +1242,7 @@
           <a:p>
             <a:fld id="{DEA95C57-5E3C-4EFD-B076-1ED93876FB7F}" type="datetimeFigureOut">
               <a:rPr lang="zh-CN" altLang="en-US" smtClean="0"/>
-              <a:t>2017/11/18</a:t>
+              <a:t>2017/11/19</a:t>
             </a:fld>
             <a:endParaRPr lang="zh-CN" altLang="en-US"/>
           </a:p>
@@ -1608,7 +1609,7 @@
           <a:p>
             <a:fld id="{DEA95C57-5E3C-4EFD-B076-1ED93876FB7F}" type="datetimeFigureOut">
               <a:rPr lang="zh-CN" altLang="en-US" smtClean="0"/>
-              <a:t>2017/11/18</a:t>
+              <a:t>2017/11/19</a:t>
             </a:fld>
             <a:endParaRPr lang="zh-CN" altLang="en-US"/>
           </a:p>
@@ -1726,7 +1727,7 @@
           <a:p>
             <a:fld id="{DEA95C57-5E3C-4EFD-B076-1ED93876FB7F}" type="datetimeFigureOut">
               <a:rPr lang="zh-CN" altLang="en-US" smtClean="0"/>
-              <a:t>2017/11/18</a:t>
+              <a:t>2017/11/19</a:t>
             </a:fld>
             <a:endParaRPr lang="zh-CN" altLang="en-US"/>
           </a:p>
@@ -1821,7 +1822,7 @@
           <a:p>
             <a:fld id="{DEA95C57-5E3C-4EFD-B076-1ED93876FB7F}" type="datetimeFigureOut">
               <a:rPr lang="zh-CN" altLang="en-US" smtClean="0"/>
-              <a:t>2017/11/18</a:t>
+              <a:t>2017/11/19</a:t>
             </a:fld>
             <a:endParaRPr lang="zh-CN" altLang="en-US"/>
           </a:p>
@@ -2098,7 +2099,7 @@
           <a:p>
             <a:fld id="{DEA95C57-5E3C-4EFD-B076-1ED93876FB7F}" type="datetimeFigureOut">
               <a:rPr lang="zh-CN" altLang="en-US" smtClean="0"/>
-              <a:t>2017/11/18</a:t>
+              <a:t>2017/11/19</a:t>
             </a:fld>
             <a:endParaRPr lang="zh-CN" altLang="en-US"/>
           </a:p>
@@ -2351,7 +2352,7 @@
           <a:p>
             <a:fld id="{DEA95C57-5E3C-4EFD-B076-1ED93876FB7F}" type="datetimeFigureOut">
               <a:rPr lang="zh-CN" altLang="en-US" smtClean="0"/>
-              <a:t>2017/11/18</a:t>
+              <a:t>2017/11/19</a:t>
             </a:fld>
             <a:endParaRPr lang="zh-CN" altLang="en-US"/>
           </a:p>
@@ -2564,7 +2565,7 @@
           <a:p>
             <a:fld id="{DEA95C57-5E3C-4EFD-B076-1ED93876FB7F}" type="datetimeFigureOut">
               <a:rPr lang="zh-CN" altLang="en-US" smtClean="0"/>
-              <a:t>2017/11/18</a:t>
+              <a:t>2017/11/19</a:t>
             </a:fld>
             <a:endParaRPr lang="zh-CN" altLang="en-US"/>
           </a:p>
@@ -3148,6 +3149,193 @@
 </p:sld>
 </file>
 
+<file path=ppt/slides/slide2.xml><?xml version="1.0" encoding="utf-8"?>
+<p:sld xmlns:a="http://schemas.openxmlformats.org/drawingml/2006/main" xmlns:r="http://schemas.openxmlformats.org/officeDocument/2006/relationships" xmlns:p="http://schemas.openxmlformats.org/presentationml/2006/main">
+  <p:cSld>
+    <p:spTree>
+      <p:nvGrpSpPr>
+        <p:cNvPr id="1" name=""/>
+        <p:cNvGrpSpPr/>
+        <p:nvPr/>
+      </p:nvGrpSpPr>
+      <p:grpSpPr>
+        <a:xfrm>
+          <a:off x="0" y="0"/>
+          <a:ext cx="0" cy="0"/>
+          <a:chOff x="0" y="0"/>
+          <a:chExt cx="0" cy="0"/>
+        </a:xfrm>
+      </p:grpSpPr>
+      <p:sp>
+        <p:nvSpPr>
+          <p:cNvPr id="9" name="圆角矩形 8"/>
+          <p:cNvSpPr/>
+          <p:nvPr/>
+        </p:nvSpPr>
+        <p:spPr>
+          <a:xfrm>
+            <a:off x="4139180" y="1468315"/>
+            <a:ext cx="3921369" cy="3921369"/>
+          </a:xfrm>
+          <a:prstGeom prst="roundRect">
+            <a:avLst/>
+          </a:prstGeom>
+          <a:solidFill>
+            <a:srgbClr val="F5F5F5"/>
+          </a:solidFill>
+          <a:ln>
+            <a:noFill/>
+          </a:ln>
+          <a:effectLst>
+            <a:outerShdw blurRad="127000" dist="38100" dir="2700000" algn="tl" rotWithShape="0">
+              <a:prstClr val="black">
+                <a:alpha val="40000"/>
+              </a:prstClr>
+            </a:outerShdw>
+          </a:effectLst>
+        </p:spPr>
+        <p:style>
+          <a:lnRef idx="2">
+            <a:schemeClr val="accent1">
+              <a:shade val="50000"/>
+            </a:schemeClr>
+          </a:lnRef>
+          <a:fillRef idx="1">
+            <a:schemeClr val="accent1"/>
+          </a:fillRef>
+          <a:effectRef idx="0">
+            <a:schemeClr val="accent1"/>
+          </a:effectRef>
+          <a:fontRef idx="minor">
+            <a:schemeClr val="lt1"/>
+          </a:fontRef>
+        </p:style>
+        <p:txBody>
+          <a:bodyPr vert="horz" rtlCol="0" anchor="ctr"/>
+          <a:lstStyle/>
+          <a:p>
+            <a:pPr algn="dist"/>
+            <a:endParaRPr lang="zh-CN" altLang="en-US" sz="11500">
+              <a:solidFill>
+                <a:schemeClr val="tx1"/>
+              </a:solidFill>
+              <a:latin typeface="方正兰亭刊宋_GBK" panose="02000000000000000000" pitchFamily="2" charset="-122"/>
+              <a:ea typeface="方正兰亭刊宋_GBK" panose="02000000000000000000" pitchFamily="2" charset="-122"/>
+            </a:endParaRPr>
+          </a:p>
+        </p:txBody>
+      </p:sp>
+      <p:sp>
+        <p:nvSpPr>
+          <p:cNvPr id="6" name="矩形 5"/>
+          <p:cNvSpPr/>
+          <p:nvPr/>
+        </p:nvSpPr>
+        <p:spPr>
+          <a:xfrm>
+            <a:off x="4304827" y="2066513"/>
+            <a:ext cx="3590077" cy="3231350"/>
+          </a:xfrm>
+          <a:prstGeom prst="rect">
+            <a:avLst/>
+          </a:prstGeom>
+          <a:blipFill dpi="0" rotWithShape="1">
+            <a:blip r:embed="rId2">
+              <a:alphaModFix amt="20000"/>
+              <a:extLst>
+                <a:ext uri="{BEBA8EAE-BF5A-486C-A8C5-ECC9F3942E4B}">
+                  <a14:imgProps xmlns:a14="http://schemas.microsoft.com/office/drawing/2010/main">
+                    <a14:imgLayer r:embed="rId3">
+                      <a14:imgEffect>
+                        <a14:saturation sat="20000"/>
+                      </a14:imgEffect>
+                    </a14:imgLayer>
+                  </a14:imgProps>
+                </a:ext>
+              </a:extLst>
+            </a:blip>
+            <a:srcRect/>
+            <a:stretch>
+              <a:fillRect l="-4762" r="-1" b="-22204"/>
+            </a:stretch>
+          </a:blipFill>
+          <a:ln>
+            <a:noFill/>
+          </a:ln>
+        </p:spPr>
+        <p:style>
+          <a:lnRef idx="2">
+            <a:schemeClr val="accent1">
+              <a:shade val="50000"/>
+            </a:schemeClr>
+          </a:lnRef>
+          <a:fillRef idx="1">
+            <a:schemeClr val="accent1"/>
+          </a:fillRef>
+          <a:effectRef idx="0">
+            <a:schemeClr val="accent1"/>
+          </a:effectRef>
+          <a:fontRef idx="minor">
+            <a:schemeClr val="lt1"/>
+          </a:fontRef>
+        </p:style>
+        <p:txBody>
+          <a:bodyPr rtlCol="0" anchor="ctr"/>
+          <a:lstStyle/>
+          <a:p>
+            <a:pPr algn="ctr"/>
+            <a:endParaRPr lang="zh-CN" altLang="en-US"/>
+          </a:p>
+        </p:txBody>
+      </p:sp>
+      <p:sp>
+        <p:nvSpPr>
+          <p:cNvPr id="7" name="文本框 6"/>
+          <p:cNvSpPr txBox="1"/>
+          <p:nvPr/>
+        </p:nvSpPr>
+        <p:spPr>
+          <a:xfrm>
+            <a:off x="4532772" y="2497976"/>
+            <a:ext cx="3134191" cy="1862048"/>
+          </a:xfrm>
+          <a:prstGeom prst="rect">
+            <a:avLst/>
+          </a:prstGeom>
+          <a:noFill/>
+        </p:spPr>
+        <p:txBody>
+          <a:bodyPr vert="horz" wrap="none" rtlCol="0">
+            <a:spAutoFit/>
+          </a:bodyPr>
+          <a:lstStyle/>
+          <a:p>
+            <a:r>
+              <a:rPr lang="zh-CN" altLang="en-US" sz="11500" dirty="0" smtClean="0">
+                <a:solidFill>
+                  <a:schemeClr val="tx1"/>
+                </a:solidFill>
+                <a:latin typeface="方正清刻本悦宋简体" panose="02000000000000000000" pitchFamily="2" charset="-122"/>
+                <a:ea typeface="方正清刻本悦宋简体" panose="02000000000000000000" pitchFamily="2" charset="-122"/>
+              </a:rPr>
+              <a:t>桃园</a:t>
+            </a:r>
+          </a:p>
+        </p:txBody>
+      </p:sp>
+    </p:spTree>
+    <p:extLst>
+      <p:ext uri="{BB962C8B-B14F-4D97-AF65-F5344CB8AC3E}">
+        <p14:creationId xmlns:p14="http://schemas.microsoft.com/office/powerpoint/2010/main" val="4223714733"/>
+      </p:ext>
+    </p:extLst>
+  </p:cSld>
+  <p:clrMapOvr>
+    <a:masterClrMapping/>
+  </p:clrMapOvr>
+</p:sld>
+</file>
+
 <file path=ppt/theme/theme1.xml><?xml version="1.0" encoding="utf-8"?>
 <a:theme xmlns:a="http://schemas.openxmlformats.org/drawingml/2006/main" name="Office 主题​​">
   <a:themeElements>
